--- a/Project_Falling_Balls.pptx
+++ b/Project_Falling_Balls.pptx
@@ -7935,7 +7935,7 @@
                 <a:cs typeface="Glacial Indifference"/>
                 <a:sym typeface="Glacial Indifference"/>
               </a:rPr>
-              <a:t>When a player's projectile successfully collides with a planet, it is destroyed upon impact providing for a death effect.</a:t>
+              <a:t>When a player's projectile successfully collides with a planet, a small audio cue is played. The planet is destroyed when its health is 0 and a loud explosion is played.</a:t>
             </a:r>
           </a:p>
           <a:p>
